--- a/prezentace.pptx
+++ b/prezentace.pptx
@@ -120,7 +120,7 @@
   </p:defaultTextStyle>
   <p:extLst>
     <p:ext uri="{EFAFB233-063F-42B5-8137-9DF3F51BA10A}">
-      <p15:sldGuideLst xmlns:p15="http://schemas.microsoft.com/office/powerpoint/2012/main">
+      <p15:sldGuideLst xmlns:p15="http://schemas.microsoft.com/office/powerpoint/2012/main" xmlns="">
         <p15:guide id="1" orient="horz" pos="2160">
           <p15:clr>
             <a:srgbClr val="A4A3A4"/>
@@ -220,7 +220,7 @@
             <a:fld id="{C4B74310-2026-40DA-BD07-DC8CE7A467C6}" type="datetimeFigureOut">
               <a:rPr lang="cs-CZ" smtClean="0"/>
               <a:pPr/>
-              <a:t>15. 6. 2015</a:t>
+              <a:t>16.6.2015</a:t>
             </a:fld>
             <a:endParaRPr lang="cs-CZ"/>
           </a:p>
@@ -1008,7 +1008,7 @@
             <a:fld id="{CAD73407-270E-4A3E-8E41-CA704BA75C1A}" type="datetime1">
               <a:rPr lang="cs-CZ" smtClean="0"/>
               <a:pPr/>
-              <a:t>15. 6. 2015</a:t>
+              <a:t>16.6.2015</a:t>
             </a:fld>
             <a:endParaRPr lang="cs-CZ"/>
           </a:p>
@@ -1113,8 +1113,8 @@
             <a:noFill/>
           </a:ln>
           <a:extLst>
-            <a:ext uri="{91240B29-F687-4f45-9708-019B960494DF}">
-              <a14:hiddenLine xmlns:a14="http://schemas.microsoft.com/office/drawing/2010/main" xmlns="" w="9525">
+            <a:ext uri="{91240B29-F687-4F45-9708-019B960494DF}">
+              <a14:hiddenLine xmlns:a14="http://schemas.microsoft.com/office/drawing/2010/main" w="9525">
                 <a:solidFill>
                   <a:srgbClr val="000000"/>
                 </a:solidFill>
@@ -1168,8 +1168,8 @@
             <a:noFill/>
           </a:ln>
           <a:extLst>
-            <a:ext uri="{91240B29-F687-4f45-9708-019B960494DF}">
-              <a14:hiddenLine xmlns:a14="http://schemas.microsoft.com/office/drawing/2010/main" xmlns="" w="9525">
+            <a:ext uri="{91240B29-F687-4F45-9708-019B960494DF}">
+              <a14:hiddenLine xmlns:a14="http://schemas.microsoft.com/office/drawing/2010/main" w="9525">
                 <a:solidFill>
                   <a:srgbClr val="000000"/>
                 </a:solidFill>
@@ -1426,7 +1426,7 @@
             <a:fld id="{CAD73407-270E-4A3E-8E41-CA704BA75C1A}" type="datetime1">
               <a:rPr lang="cs-CZ" smtClean="0"/>
               <a:pPr/>
-              <a:t>15. 6. 2015</a:t>
+              <a:t>16.6.2015</a:t>
             </a:fld>
             <a:endParaRPr lang="cs-CZ"/>
           </a:p>
@@ -1681,7 +1681,7 @@
             <a:fld id="{CAD73407-270E-4A3E-8E41-CA704BA75C1A}" type="datetime1">
               <a:rPr lang="cs-CZ" smtClean="0"/>
               <a:pPr/>
-              <a:t>15. 6. 2015</a:t>
+              <a:t>16.6.2015</a:t>
             </a:fld>
             <a:endParaRPr lang="cs-CZ"/>
           </a:p>
@@ -2228,7 +2228,7 @@
             <a:fld id="{CAD73407-270E-4A3E-8E41-CA704BA75C1A}" type="datetime1">
               <a:rPr lang="cs-CZ" smtClean="0"/>
               <a:pPr/>
-              <a:t>15. 6. 2015</a:t>
+              <a:t>16.6.2015</a:t>
             </a:fld>
             <a:endParaRPr lang="cs-CZ"/>
           </a:p>
@@ -2483,7 +2483,7 @@
             <a:fld id="{CAD73407-270E-4A3E-8E41-CA704BA75C1A}" type="datetime1">
               <a:rPr lang="cs-CZ" smtClean="0"/>
               <a:pPr/>
-              <a:t>15. 6. 2015</a:t>
+              <a:t>16.6.2015</a:t>
             </a:fld>
             <a:endParaRPr lang="cs-CZ"/>
           </a:p>
@@ -3022,7 +3022,7 @@
             <a:fld id="{CAD73407-270E-4A3E-8E41-CA704BA75C1A}" type="datetime1">
               <a:rPr lang="cs-CZ" smtClean="0"/>
               <a:pPr/>
-              <a:t>15. 6. 2015</a:t>
+              <a:t>16.6.2015</a:t>
             </a:fld>
             <a:endParaRPr lang="cs-CZ"/>
           </a:p>
@@ -3326,7 +3326,7 @@
             <a:fld id="{CAD73407-270E-4A3E-8E41-CA704BA75C1A}" type="datetime1">
               <a:rPr lang="cs-CZ" smtClean="0"/>
               <a:pPr/>
-              <a:t>15. 6. 2015</a:t>
+              <a:t>16.6.2015</a:t>
             </a:fld>
             <a:endParaRPr lang="cs-CZ"/>
           </a:p>
@@ -3507,7 +3507,7 @@
             <a:fld id="{CAD73407-270E-4A3E-8E41-CA704BA75C1A}" type="datetime1">
               <a:rPr lang="cs-CZ" smtClean="0"/>
               <a:pPr/>
-              <a:t>15. 6. 2015</a:t>
+              <a:t>16.6.2015</a:t>
             </a:fld>
             <a:endParaRPr lang="cs-CZ"/>
           </a:p>
@@ -3694,7 +3694,7 @@
             <a:fld id="{CAD73407-270E-4A3E-8E41-CA704BA75C1A}" type="datetime1">
               <a:rPr lang="cs-CZ" smtClean="0"/>
               <a:pPr/>
-              <a:t>15. 6. 2015</a:t>
+              <a:t>16.6.2015</a:t>
             </a:fld>
             <a:endParaRPr lang="cs-CZ"/>
           </a:p>
@@ -3886,7 +3886,7 @@
             <a:fld id="{CAD73407-270E-4A3E-8E41-CA704BA75C1A}" type="datetime1">
               <a:rPr lang="cs-CZ" smtClean="0"/>
               <a:pPr/>
-              <a:t>15. 6. 2015</a:t>
+              <a:t>16.6.2015</a:t>
             </a:fld>
             <a:endParaRPr lang="cs-CZ"/>
           </a:p>
@@ -4149,7 +4149,7 @@
             <a:fld id="{CAD73407-270E-4A3E-8E41-CA704BA75C1A}" type="datetime1">
               <a:rPr lang="cs-CZ" smtClean="0"/>
               <a:pPr/>
-              <a:t>15. 6. 2015</a:t>
+              <a:t>16.6.2015</a:t>
             </a:fld>
             <a:endParaRPr lang="cs-CZ"/>
           </a:p>
@@ -4458,7 +4458,7 @@
             <a:fld id="{CAD73407-270E-4A3E-8E41-CA704BA75C1A}" type="datetime1">
               <a:rPr lang="cs-CZ" smtClean="0"/>
               <a:pPr/>
-              <a:t>15. 6. 2015</a:t>
+              <a:t>16.6.2015</a:t>
             </a:fld>
             <a:endParaRPr lang="cs-CZ"/>
           </a:p>
@@ -4907,7 +4907,7 @@
             <a:fld id="{CAD73407-270E-4A3E-8E41-CA704BA75C1A}" type="datetime1">
               <a:rPr lang="cs-CZ" smtClean="0"/>
               <a:pPr/>
-              <a:t>15. 6. 2015</a:t>
+              <a:t>16.6.2015</a:t>
             </a:fld>
             <a:endParaRPr lang="cs-CZ"/>
           </a:p>
@@ -5032,7 +5032,7 @@
             <a:fld id="{CAD73407-270E-4A3E-8E41-CA704BA75C1A}" type="datetime1">
               <a:rPr lang="cs-CZ" smtClean="0"/>
               <a:pPr/>
-              <a:t>15. 6. 2015</a:t>
+              <a:t>16.6.2015</a:t>
             </a:fld>
             <a:endParaRPr lang="cs-CZ"/>
           </a:p>
@@ -5134,7 +5134,7 @@
             <a:fld id="{CAD73407-270E-4A3E-8E41-CA704BA75C1A}" type="datetime1">
               <a:rPr lang="cs-CZ" smtClean="0"/>
               <a:pPr/>
-              <a:t>15. 6. 2015</a:t>
+              <a:t>16.6.2015</a:t>
             </a:fld>
             <a:endParaRPr lang="cs-CZ"/>
           </a:p>
@@ -5424,7 +5424,7 @@
             <a:fld id="{CAD73407-270E-4A3E-8E41-CA704BA75C1A}" type="datetime1">
               <a:rPr lang="cs-CZ" smtClean="0"/>
               <a:pPr/>
-              <a:t>15. 6. 2015</a:t>
+              <a:t>16.6.2015</a:t>
             </a:fld>
             <a:endParaRPr lang="cs-CZ"/>
           </a:p>
@@ -5722,7 +5722,7 @@
             <a:fld id="{CAD73407-270E-4A3E-8E41-CA704BA75C1A}" type="datetime1">
               <a:rPr lang="cs-CZ" smtClean="0"/>
               <a:pPr/>
-              <a:t>15. 6. 2015</a:t>
+              <a:t>16.6.2015</a:t>
             </a:fld>
             <a:endParaRPr lang="cs-CZ"/>
           </a:p>
@@ -6253,7 +6253,7 @@
             <a:fld id="{CAD73407-270E-4A3E-8E41-CA704BA75C1A}" type="datetime1">
               <a:rPr lang="cs-CZ" smtClean="0"/>
               <a:pPr/>
-              <a:t>15. 6. 2015</a:t>
+              <a:t>16.6.2015</a:t>
             </a:fld>
             <a:endParaRPr lang="cs-CZ"/>
           </a:p>
@@ -6952,11 +6952,7 @@
             </a:r>
             <a:r>
               <a:rPr lang="cs-CZ" dirty="0" smtClean="0"/>
-              <a:t>			Jaro </a:t>
-            </a:r>
-            <a:r>
-              <a:rPr lang="cs-CZ" dirty="0" smtClean="0"/>
-              <a:t>2015</a:t>
+              <a:t>			Jaro 2015</a:t>
             </a:r>
           </a:p>
           <a:p>
@@ -7034,7 +7030,7 @@
           <a:bodyPr/>
           <a:lstStyle/>
           <a:p>
-            <a:endParaRPr lang="en-US"/>
+            <a:endParaRPr lang="en-US" dirty="0"/>
           </a:p>
         </p:txBody>
       </p:sp>
@@ -7136,12 +7132,53 @@
             <p:ph idx="1"/>
           </p:nvPr>
         </p:nvSpPr>
-        <p:spPr/>
+        <p:spPr>
+          <a:xfrm>
+            <a:off x="971600" y="2564904"/>
+            <a:ext cx="7704667" cy="3332816"/>
+          </a:xfrm>
+        </p:spPr>
         <p:txBody>
           <a:bodyPr/>
           <a:lstStyle/>
           <a:p>
-            <a:endParaRPr lang="en-US"/>
+            <a:r>
+              <a:rPr lang="cs-CZ" dirty="0" smtClean="0"/>
+              <a:t>Jazyk Java</a:t>
+            </a:r>
+          </a:p>
+          <a:p>
+            <a:r>
+              <a:rPr lang="cs-CZ" dirty="0" smtClean="0"/>
+              <a:t>GitHub</a:t>
+            </a:r>
+          </a:p>
+          <a:p>
+            <a:r>
+              <a:rPr lang="cs-CZ" dirty="0" smtClean="0"/>
+              <a:t>Netbeans</a:t>
+            </a:r>
+          </a:p>
+          <a:p>
+            <a:r>
+              <a:rPr lang="cs-CZ" dirty="0" smtClean="0"/>
+              <a:t>Junit</a:t>
+            </a:r>
+          </a:p>
+          <a:p>
+            <a:r>
+              <a:rPr lang="cs-CZ" dirty="0" smtClean="0"/>
+              <a:t>Window snipping tool</a:t>
+            </a:r>
+          </a:p>
+          <a:p>
+            <a:r>
+              <a:rPr lang="cs-CZ" dirty="0" smtClean="0"/>
+              <a:t>UML class diagram</a:t>
+            </a:r>
+          </a:p>
+          <a:p>
+            <a:endParaRPr lang="en-US" dirty="0"/>
           </a:p>
         </p:txBody>
       </p:sp>
@@ -7243,12 +7280,41 @@
             <p:ph idx="1"/>
           </p:nvPr>
         </p:nvSpPr>
-        <p:spPr/>
+        <p:spPr>
+          <a:xfrm>
+            <a:off x="971600" y="2204864"/>
+            <a:ext cx="7704667" cy="3332816"/>
+          </a:xfrm>
+        </p:spPr>
         <p:txBody>
           <a:bodyPr/>
           <a:lstStyle/>
           <a:p>
-            <a:endParaRPr lang="en-US"/>
+            <a:r>
+              <a:rPr lang="cs-CZ" dirty="0" smtClean="0"/>
+              <a:t>Rádi tomto bychom poděkovali vedoucímu </a:t>
+            </a:r>
+            <a:r>
+              <a:rPr lang="cs-CZ" dirty="0"/>
+              <a:t>našeho projektu RNDr. </a:t>
+            </a:r>
+            <a:r>
+              <a:rPr lang="cs-CZ" dirty="0" smtClean="0"/>
+              <a:t>Filipu Nguyenovi za nasměrování správným směrem a užitečné rady.</a:t>
+            </a:r>
+          </a:p>
+          <a:p>
+            <a:r>
+              <a:rPr lang="cs-CZ" dirty="0" smtClean="0"/>
+              <a:t>Zároveň děkujeme za pozornost při sledování naší prezentace </a:t>
+            </a:r>
+            <a:r>
+              <a:rPr lang="cs-CZ" dirty="0" smtClean="0">
+                <a:sym typeface="Wingdings" panose="05000000000000000000" pitchFamily="2" charset="2"/>
+              </a:rPr>
+              <a:t></a:t>
+            </a:r>
+            <a:endParaRPr lang="en-US" dirty="0"/>
           </a:p>
         </p:txBody>
       </p:sp>
@@ -7388,7 +7454,6 @@
               <a:rPr lang="cs-CZ" dirty="0" smtClean="0"/>
               <a:t>Martin Golomb</a:t>
             </a:r>
-            <a:endParaRPr lang="cs-CZ" dirty="0" smtClean="0"/>
           </a:p>
           <a:p>
             <a:pPr>
@@ -7400,7 +7465,6 @@
               <a:rPr lang="cs-CZ" dirty="0" smtClean="0"/>
               <a:t>Jan Křenek</a:t>
             </a:r>
-            <a:endParaRPr lang="cs-CZ" dirty="0" smtClean="0"/>
           </a:p>
           <a:p>
             <a:pPr algn="r">
@@ -7539,36 +7603,79 @@
         </p:nvSpPr>
         <p:spPr>
           <a:xfrm>
-            <a:off x="899592" y="1916832"/>
-            <a:ext cx="7704667" cy="4039158"/>
+            <a:off x="971600" y="2492896"/>
+            <a:ext cx="7704667" cy="3744416"/>
           </a:xfrm>
         </p:spPr>
         <p:txBody>
-          <a:bodyPr/>
+          <a:bodyPr>
+            <a:normAutofit/>
+          </a:bodyPr>
           <a:lstStyle/>
           <a:p>
             <a:r>
               <a:rPr lang="cs-CZ" dirty="0" smtClean="0"/>
-              <a:t>Vygenerovat XML schema k existujícímu DTD</a:t>
-            </a:r>
-          </a:p>
-          <a:p>
+              <a:t>Vygenerovat XML schema </a:t>
+            </a:r>
             <a:r>
               <a:rPr lang="cs-CZ" dirty="0" smtClean="0"/>
-              <a:t>...</a:t>
-            </a:r>
-          </a:p>
-          <a:p>
+              <a:t>ekvivalentní </a:t>
+            </a:r>
             <a:r>
               <a:rPr lang="cs-CZ" dirty="0" smtClean="0"/>
-              <a:t>Pro rešení použít výhradně JDK</a:t>
-            </a:r>
-          </a:p>
-          <a:p>
+              <a:t>existujícímu </a:t>
+            </a:r>
             <a:r>
               <a:rPr lang="cs-CZ" dirty="0" smtClean="0"/>
-              <a:t>Můžeme předpokládat, že vstupní DTD je vždy validní a spravné</a:t>
-            </a:r>
+              <a:t>DTD (ať už internimu nebo externímu)</a:t>
+            </a:r>
+            <a:endParaRPr lang="cs-CZ" dirty="0" smtClean="0"/>
+          </a:p>
+          <a:p>
+            <a:r>
+              <a:rPr lang="cs-CZ" dirty="0" smtClean="0"/>
+              <a:t>Pro </a:t>
+            </a:r>
+            <a:r>
+              <a:rPr lang="cs-CZ" dirty="0" smtClean="0"/>
+              <a:t>rešení použít výhradně JDK</a:t>
+            </a:r>
+          </a:p>
+          <a:p>
+            <a:r>
+              <a:rPr lang="cs-CZ" dirty="0" smtClean="0"/>
+              <a:t>Můžeme předpokládat, že vstupní DTD je vždy validní a </a:t>
+            </a:r>
+            <a:r>
+              <a:rPr lang="cs-CZ" dirty="0" smtClean="0"/>
+              <a:t>spravné</a:t>
+            </a:r>
+          </a:p>
+          <a:p>
+            <a:r>
+              <a:rPr lang="cs-CZ" dirty="0" smtClean="0"/>
+              <a:t>Předpoklad: vstupní </a:t>
+            </a:r>
+            <a:r>
+              <a:rPr lang="cs-CZ" dirty="0"/>
+              <a:t>DTD je vždy validní a správné. </a:t>
+            </a:r>
+            <a:endParaRPr lang="cs-CZ" dirty="0" smtClean="0"/>
+          </a:p>
+          <a:p>
+            <a:r>
+              <a:rPr lang="cs-CZ" dirty="0" smtClean="0"/>
+              <a:t>Projekt </a:t>
+            </a:r>
+            <a:r>
+              <a:rPr lang="cs-CZ" dirty="0"/>
+              <a:t>musí být jednotkově testován.</a:t>
+            </a:r>
+          </a:p>
+          <a:p>
+            <a:endParaRPr lang="cs-CZ" dirty="0"/>
+          </a:p>
+          <a:p>
             <a:endParaRPr lang="en-US" dirty="0"/>
           </a:p>
         </p:txBody>
@@ -7671,12 +7778,64 @@
             <p:ph idx="1"/>
           </p:nvPr>
         </p:nvSpPr>
-        <p:spPr/>
-        <p:txBody>
-          <a:bodyPr/>
-          <a:lstStyle/>
-          <a:p>
-            <a:endParaRPr lang="en-US"/>
+        <p:spPr>
+          <a:xfrm>
+            <a:off x="971600" y="2348880"/>
+            <a:ext cx="7704667" cy="3528392"/>
+          </a:xfrm>
+        </p:spPr>
+        <p:txBody>
+          <a:bodyPr>
+            <a:normAutofit fontScale="92500" lnSpcReduction="20000"/>
+          </a:bodyPr>
+          <a:lstStyle/>
+          <a:p>
+            <a:pPr marL="0" indent="0">
+              <a:buNone/>
+            </a:pPr>
+            <a:r>
+              <a:rPr lang="cs-CZ" sz="2800" b="1" dirty="0" smtClean="0"/>
+              <a:t>Nutno:</a:t>
+            </a:r>
+          </a:p>
+          <a:p>
+            <a:r>
+              <a:rPr lang="cs-CZ" dirty="0" smtClean="0"/>
+              <a:t>Načíst DTD (předání dál v jaké formě)</a:t>
+            </a:r>
+          </a:p>
+          <a:p>
+            <a:r>
+              <a:rPr lang="cs-CZ" dirty="0" smtClean="0"/>
+              <a:t>Parsovat na jednotlivé prvky dtd (jaké jsou, jejich vztah)</a:t>
+            </a:r>
+          </a:p>
+          <a:p>
+            <a:r>
+              <a:rPr lang="cs-CZ" dirty="0" smtClean="0"/>
+              <a:t>Převod prvků na jejich xml-schéma ekvivalenty (co odpovídá čemu)</a:t>
+            </a:r>
+          </a:p>
+          <a:p>
+            <a:r>
+              <a:rPr lang="cs-CZ" dirty="0" smtClean="0"/>
+              <a:t>Sestavení prvků (co následuje za čím)</a:t>
+            </a:r>
+          </a:p>
+          <a:p>
+            <a:r>
+              <a:rPr lang="cs-CZ" dirty="0" smtClean="0"/>
+              <a:t>Zachování částí dtd nereprezentovatelných v xml schéma (které části nemají xml-schéma reprezentaci)</a:t>
+            </a:r>
+          </a:p>
+          <a:p>
+            <a:r>
+              <a:rPr lang="cs-CZ" dirty="0" smtClean="0"/>
+              <a:t>Testování privátních metod</a:t>
+            </a:r>
+          </a:p>
+          <a:p>
+            <a:endParaRPr lang="en-US" dirty="0"/>
           </a:p>
         </p:txBody>
       </p:sp>
@@ -7778,12 +7937,73 @@
             <p:ph idx="1"/>
           </p:nvPr>
         </p:nvSpPr>
-        <p:spPr/>
+        <p:spPr>
+          <a:xfrm>
+            <a:off x="899592" y="2348880"/>
+            <a:ext cx="7704667" cy="3332816"/>
+          </a:xfrm>
+        </p:spPr>
         <p:txBody>
           <a:bodyPr/>
           <a:lstStyle/>
           <a:p>
-            <a:endParaRPr lang="en-US"/>
+            <a:r>
+              <a:rPr lang="cs-CZ" dirty="0"/>
+              <a:t>Markéta Umlaufová - práce se soubory, wiki </a:t>
+            </a:r>
+            <a:r>
+              <a:rPr lang="cs-CZ" dirty="0" smtClean="0"/>
+              <a:t>administrátor</a:t>
+            </a:r>
+          </a:p>
+          <a:p>
+            <a:r>
+              <a:rPr lang="cs-CZ" dirty="0" smtClean="0"/>
+              <a:t>Patrik </a:t>
+            </a:r>
+            <a:r>
+              <a:rPr lang="cs-CZ" dirty="0"/>
+              <a:t>Novák - tvorba XML </a:t>
+            </a:r>
+            <a:r>
+              <a:rPr lang="cs-CZ" dirty="0" smtClean="0"/>
+              <a:t>Schematu, </a:t>
+            </a:r>
+            <a:r>
+              <a:rPr lang="cs-CZ" dirty="0"/>
+              <a:t>team leader</a:t>
+            </a:r>
+          </a:p>
+          <a:p>
+            <a:r>
+              <a:rPr lang="cs-CZ" dirty="0"/>
+              <a:t>Jan Křenek </a:t>
+            </a:r>
+            <a:r>
+              <a:rPr lang="cs-CZ" dirty="0" smtClean="0"/>
+              <a:t>- </a:t>
+            </a:r>
+            <a:r>
+              <a:rPr lang="cs-CZ" dirty="0"/>
+              <a:t>parsování DTD</a:t>
+            </a:r>
+            <a:endParaRPr lang="cs-CZ" dirty="0" smtClean="0"/>
+          </a:p>
+          <a:p>
+            <a:r>
+              <a:rPr lang="cs-CZ" dirty="0" smtClean="0"/>
+              <a:t>Martin Golomb - unit testing</a:t>
+            </a:r>
+          </a:p>
+          <a:p>
+            <a:pPr marL="0" indent="0">
+              <a:buNone/>
+            </a:pPr>
+            <a:r>
+              <a:rPr lang="cs-CZ" dirty="0" smtClean="0"/>
+              <a:t>Práce na projekte se také prolínala a navzájem jsme spolupracovali.</a:t>
+            </a:r>
+            <a:endParaRPr lang="cs-CZ" dirty="0"/>
           </a:p>
         </p:txBody>
       </p:sp>
@@ -7890,7 +8110,7 @@
           <a:bodyPr/>
           <a:lstStyle/>
           <a:p>
-            <a:endParaRPr lang="en-US"/>
+            <a:endParaRPr lang="en-US" dirty="0"/>
           </a:p>
         </p:txBody>
       </p:sp>
@@ -8513,7 +8733,7 @@
   <a:extraClrSchemeLst/>
   <a:extLst>
     <a:ext uri="{05A4C25C-085E-4340-85A3-A5531E510DB2}">
-      <thm15:themeFamily xmlns:thm15="http://schemas.microsoft.com/office/thememl/2012/main" name="Parallax" id="{3388167B-A2EB-4685-9635-1831D9AEF8C4}" vid="{4F7A876A-7598-49CA-AFC8-8EDA2551E4A7}"/>
+      <thm15:themeFamily xmlns:thm15="http://schemas.microsoft.com/office/thememl/2012/main" xmlns="" name="Parallax" id="{3388167B-A2EB-4685-9635-1831D9AEF8C4}" vid="{4F7A876A-7598-49CA-AFC8-8EDA2551E4A7}"/>
     </a:ext>
   </a:extLst>
 </a:theme>

--- a/prezentace.pptx
+++ b/prezentace.pptx
@@ -5,7 +5,7 @@
     <p:sldMasterId id="2147484923" r:id="rId1"/>
   </p:sldMasterIdLst>
   <p:notesMasterIdLst>
-    <p:notesMasterId r:id="rId14"/>
+    <p:notesMasterId r:id="rId15"/>
   </p:notesMasterIdLst>
   <p:sldIdLst>
     <p:sldId id="256" r:id="rId2"/>
@@ -17,9 +17,10 @@
     <p:sldId id="274" r:id="rId8"/>
     <p:sldId id="275" r:id="rId9"/>
     <p:sldId id="278" r:id="rId10"/>
-    <p:sldId id="276" r:id="rId11"/>
-    <p:sldId id="272" r:id="rId12"/>
-    <p:sldId id="273" r:id="rId13"/>
+    <p:sldId id="279" r:id="rId11"/>
+    <p:sldId id="276" r:id="rId12"/>
+    <p:sldId id="272" r:id="rId13"/>
+    <p:sldId id="273" r:id="rId14"/>
   </p:sldIdLst>
   <p:sldSz cx="9144000" cy="6858000" type="screen4x3"/>
   <p:notesSz cx="6858000" cy="9144000"/>
@@ -120,7 +121,7 @@
   </p:defaultTextStyle>
   <p:extLst>
     <p:ext uri="{EFAFB233-063F-42B5-8137-9DF3F51BA10A}">
-      <p15:sldGuideLst xmlns:p15="http://schemas.microsoft.com/office/powerpoint/2012/main" xmlns="">
+      <p15:sldGuideLst xmlns:p15="http://schemas.microsoft.com/office/powerpoint/2012/main">
         <p15:guide id="1" orient="horz" pos="2160">
           <p15:clr>
             <a:srgbClr val="A4A3A4"/>
@@ -220,7 +221,7 @@
             <a:fld id="{C4B74310-2026-40DA-BD07-DC8CE7A467C6}" type="datetimeFigureOut">
               <a:rPr lang="cs-CZ" smtClean="0"/>
               <a:pPr/>
-              <a:t>16.6.2015</a:t>
+              <a:t>16. 6. 2015</a:t>
             </a:fld>
             <a:endParaRPr lang="cs-CZ"/>
           </a:p>
@@ -1008,7 +1009,7 @@
             <a:fld id="{CAD73407-270E-4A3E-8E41-CA704BA75C1A}" type="datetime1">
               <a:rPr lang="cs-CZ" smtClean="0"/>
               <a:pPr/>
-              <a:t>16.6.2015</a:t>
+              <a:t>16. 6. 2015</a:t>
             </a:fld>
             <a:endParaRPr lang="cs-CZ"/>
           </a:p>
@@ -1426,7 +1427,7 @@
             <a:fld id="{CAD73407-270E-4A3E-8E41-CA704BA75C1A}" type="datetime1">
               <a:rPr lang="cs-CZ" smtClean="0"/>
               <a:pPr/>
-              <a:t>16.6.2015</a:t>
+              <a:t>16. 6. 2015</a:t>
             </a:fld>
             <a:endParaRPr lang="cs-CZ"/>
           </a:p>
@@ -1681,7 +1682,7 @@
             <a:fld id="{CAD73407-270E-4A3E-8E41-CA704BA75C1A}" type="datetime1">
               <a:rPr lang="cs-CZ" smtClean="0"/>
               <a:pPr/>
-              <a:t>16.6.2015</a:t>
+              <a:t>16. 6. 2015</a:t>
             </a:fld>
             <a:endParaRPr lang="cs-CZ"/>
           </a:p>
@@ -2228,7 +2229,7 @@
             <a:fld id="{CAD73407-270E-4A3E-8E41-CA704BA75C1A}" type="datetime1">
               <a:rPr lang="cs-CZ" smtClean="0"/>
               <a:pPr/>
-              <a:t>16.6.2015</a:t>
+              <a:t>16. 6. 2015</a:t>
             </a:fld>
             <a:endParaRPr lang="cs-CZ"/>
           </a:p>
@@ -2483,7 +2484,7 @@
             <a:fld id="{CAD73407-270E-4A3E-8E41-CA704BA75C1A}" type="datetime1">
               <a:rPr lang="cs-CZ" smtClean="0"/>
               <a:pPr/>
-              <a:t>16.6.2015</a:t>
+              <a:t>16. 6. 2015</a:t>
             </a:fld>
             <a:endParaRPr lang="cs-CZ"/>
           </a:p>
@@ -3022,7 +3023,7 @@
             <a:fld id="{CAD73407-270E-4A3E-8E41-CA704BA75C1A}" type="datetime1">
               <a:rPr lang="cs-CZ" smtClean="0"/>
               <a:pPr/>
-              <a:t>16.6.2015</a:t>
+              <a:t>16. 6. 2015</a:t>
             </a:fld>
             <a:endParaRPr lang="cs-CZ"/>
           </a:p>
@@ -3326,7 +3327,7 @@
             <a:fld id="{CAD73407-270E-4A3E-8E41-CA704BA75C1A}" type="datetime1">
               <a:rPr lang="cs-CZ" smtClean="0"/>
               <a:pPr/>
-              <a:t>16.6.2015</a:t>
+              <a:t>16. 6. 2015</a:t>
             </a:fld>
             <a:endParaRPr lang="cs-CZ"/>
           </a:p>
@@ -3507,7 +3508,7 @@
             <a:fld id="{CAD73407-270E-4A3E-8E41-CA704BA75C1A}" type="datetime1">
               <a:rPr lang="cs-CZ" smtClean="0"/>
               <a:pPr/>
-              <a:t>16.6.2015</a:t>
+              <a:t>16. 6. 2015</a:t>
             </a:fld>
             <a:endParaRPr lang="cs-CZ"/>
           </a:p>
@@ -3694,7 +3695,7 @@
             <a:fld id="{CAD73407-270E-4A3E-8E41-CA704BA75C1A}" type="datetime1">
               <a:rPr lang="cs-CZ" smtClean="0"/>
               <a:pPr/>
-              <a:t>16.6.2015</a:t>
+              <a:t>16. 6. 2015</a:t>
             </a:fld>
             <a:endParaRPr lang="cs-CZ"/>
           </a:p>
@@ -3886,7 +3887,7 @@
             <a:fld id="{CAD73407-270E-4A3E-8E41-CA704BA75C1A}" type="datetime1">
               <a:rPr lang="cs-CZ" smtClean="0"/>
               <a:pPr/>
-              <a:t>16.6.2015</a:t>
+              <a:t>16. 6. 2015</a:t>
             </a:fld>
             <a:endParaRPr lang="cs-CZ"/>
           </a:p>
@@ -4149,7 +4150,7 @@
             <a:fld id="{CAD73407-270E-4A3E-8E41-CA704BA75C1A}" type="datetime1">
               <a:rPr lang="cs-CZ" smtClean="0"/>
               <a:pPr/>
-              <a:t>16.6.2015</a:t>
+              <a:t>16. 6. 2015</a:t>
             </a:fld>
             <a:endParaRPr lang="cs-CZ"/>
           </a:p>
@@ -4458,7 +4459,7 @@
             <a:fld id="{CAD73407-270E-4A3E-8E41-CA704BA75C1A}" type="datetime1">
               <a:rPr lang="cs-CZ" smtClean="0"/>
               <a:pPr/>
-              <a:t>16.6.2015</a:t>
+              <a:t>16. 6. 2015</a:t>
             </a:fld>
             <a:endParaRPr lang="cs-CZ"/>
           </a:p>
@@ -4907,7 +4908,7 @@
             <a:fld id="{CAD73407-270E-4A3E-8E41-CA704BA75C1A}" type="datetime1">
               <a:rPr lang="cs-CZ" smtClean="0"/>
               <a:pPr/>
-              <a:t>16.6.2015</a:t>
+              <a:t>16. 6. 2015</a:t>
             </a:fld>
             <a:endParaRPr lang="cs-CZ"/>
           </a:p>
@@ -5032,7 +5033,7 @@
             <a:fld id="{CAD73407-270E-4A3E-8E41-CA704BA75C1A}" type="datetime1">
               <a:rPr lang="cs-CZ" smtClean="0"/>
               <a:pPr/>
-              <a:t>16.6.2015</a:t>
+              <a:t>16. 6. 2015</a:t>
             </a:fld>
             <a:endParaRPr lang="cs-CZ"/>
           </a:p>
@@ -5134,7 +5135,7 @@
             <a:fld id="{CAD73407-270E-4A3E-8E41-CA704BA75C1A}" type="datetime1">
               <a:rPr lang="cs-CZ" smtClean="0"/>
               <a:pPr/>
-              <a:t>16.6.2015</a:t>
+              <a:t>16. 6. 2015</a:t>
             </a:fld>
             <a:endParaRPr lang="cs-CZ"/>
           </a:p>
@@ -5424,7 +5425,7 @@
             <a:fld id="{CAD73407-270E-4A3E-8E41-CA704BA75C1A}" type="datetime1">
               <a:rPr lang="cs-CZ" smtClean="0"/>
               <a:pPr/>
-              <a:t>16.6.2015</a:t>
+              <a:t>16. 6. 2015</a:t>
             </a:fld>
             <a:endParaRPr lang="cs-CZ"/>
           </a:p>
@@ -5722,7 +5723,7 @@
             <a:fld id="{CAD73407-270E-4A3E-8E41-CA704BA75C1A}" type="datetime1">
               <a:rPr lang="cs-CZ" smtClean="0"/>
               <a:pPr/>
-              <a:t>16.6.2015</a:t>
+              <a:t>16. 6. 2015</a:t>
             </a:fld>
             <a:endParaRPr lang="cs-CZ"/>
           </a:p>
@@ -6253,7 +6254,7 @@
             <a:fld id="{CAD73407-270E-4A3E-8E41-CA704BA75C1A}" type="datetime1">
               <a:rPr lang="cs-CZ" smtClean="0"/>
               <a:pPr/>
-              <a:t>16.6.2015</a:t>
+              <a:t>16. 6. 2015</a:t>
             </a:fld>
             <a:endParaRPr lang="cs-CZ"/>
           </a:p>
@@ -7009,27 +7010,8 @@
           <a:p>
             <a:r>
               <a:rPr lang="cs-CZ" dirty="0" smtClean="0"/>
-              <a:t>Unit Testing</a:t>
-            </a:r>
-            <a:endParaRPr lang="en-US" dirty="0"/>
-          </a:p>
-        </p:txBody>
-      </p:sp>
-      <p:sp>
-        <p:nvSpPr>
-          <p:cNvPr id="3" name="Content Placeholder 2"/>
-          <p:cNvSpPr>
-            <a:spLocks noGrp="1"/>
-          </p:cNvSpPr>
-          <p:nvPr>
-            <p:ph idx="1"/>
-          </p:nvPr>
-        </p:nvSpPr>
-        <p:spPr/>
-        <p:txBody>
-          <a:bodyPr/>
-          <a:lstStyle/>
-          <a:p>
+              <a:t>Vytvoření odpovídajících souborů</a:t>
+            </a:r>
             <a:endParaRPr lang="en-US" dirty="0"/>
           </a:p>
         </p:txBody>
@@ -7069,16 +7051,52 @@
           </a:p>
         </p:txBody>
       </p:sp>
+      <p:pic>
+        <p:nvPicPr>
+          <p:cNvPr id="6" name="Content Placeholder 5"/>
+          <p:cNvPicPr>
+            <a:picLocks noGrp="1" noChangeAspect="1"/>
+          </p:cNvPicPr>
+          <p:nvPr>
+            <p:ph idx="1"/>
+          </p:nvPr>
+        </p:nvPicPr>
+        <p:blipFill>
+          <a:blip r:embed="rId2">
+            <a:extLst>
+              <a:ext uri="{28A0092B-C50C-407E-A947-70E740481C1C}">
+                <a14:useLocalDpi xmlns:a14="http://schemas.microsoft.com/office/drawing/2010/main" val="0"/>
+              </a:ext>
+            </a:extLst>
+          </a:blip>
+          <a:stretch>
+            <a:fillRect/>
+          </a:stretch>
+        </p:blipFill>
+        <p:spPr>
+          <a:xfrm>
+            <a:off x="2051720" y="2204864"/>
+            <a:ext cx="5186688" cy="3332163"/>
+          </a:xfrm>
+        </p:spPr>
+      </p:pic>
     </p:spTree>
     <p:extLst>
       <p:ext uri="{BB962C8B-B14F-4D97-AF65-F5344CB8AC3E}">
-        <p14:creationId xmlns:p14="http://schemas.microsoft.com/office/powerpoint/2010/main" val="3523782869"/>
+        <p14:creationId xmlns:p14="http://schemas.microsoft.com/office/powerpoint/2010/main" val="3547263821"/>
       </p:ext>
     </p:extLst>
   </p:cSld>
   <p:clrMapOvr>
     <a:masterClrMapping/>
   </p:clrMapOvr>
+  <p:timing>
+    <p:tnLst>
+      <p:par>
+        <p:cTn id="1" dur="indefinite" restart="never" nodeType="tmRoot"/>
+      </p:par>
+    </p:tnLst>
+  </p:timing>
 </p:sld>
 </file>
 
@@ -7116,72 +7134,41 @@
           <a:p>
             <a:r>
               <a:rPr lang="cs-CZ" dirty="0" smtClean="0"/>
-              <a:t>Použíté technologie a nástroje</a:t>
+              <a:t>Unit Testing</a:t>
             </a:r>
             <a:endParaRPr lang="en-US" dirty="0"/>
           </a:p>
         </p:txBody>
       </p:sp>
-      <p:sp>
-        <p:nvSpPr>
-          <p:cNvPr id="3" name="Content Placeholder 2"/>
-          <p:cNvSpPr>
-            <a:spLocks noGrp="1"/>
-          </p:cNvSpPr>
+      <p:pic>
+        <p:nvPicPr>
+          <p:cNvPr id="4" name="Content Placeholder 3"/>
+          <p:cNvPicPr>
+            <a:picLocks noGrp="1" noChangeAspect="1"/>
+          </p:cNvPicPr>
           <p:nvPr>
             <p:ph idx="1"/>
           </p:nvPr>
-        </p:nvSpPr>
+        </p:nvPicPr>
+        <p:blipFill>
+          <a:blip r:embed="rId2">
+            <a:extLst>
+              <a:ext uri="{28A0092B-C50C-407E-A947-70E740481C1C}">
+                <a14:useLocalDpi xmlns:a14="http://schemas.microsoft.com/office/drawing/2010/main" val="0"/>
+              </a:ext>
+            </a:extLst>
+          </a:blip>
+          <a:stretch>
+            <a:fillRect/>
+          </a:stretch>
+        </p:blipFill>
         <p:spPr>
           <a:xfrm>
-            <a:off x="971600" y="2564904"/>
-            <a:ext cx="7704667" cy="3332816"/>
+            <a:off x="2742701" y="1844824"/>
+            <a:ext cx="4203694" cy="4048720"/>
           </a:xfrm>
         </p:spPr>
-        <p:txBody>
-          <a:bodyPr/>
-          <a:lstStyle/>
-          <a:p>
-            <a:r>
-              <a:rPr lang="cs-CZ" dirty="0" smtClean="0"/>
-              <a:t>Jazyk Java</a:t>
-            </a:r>
-          </a:p>
-          <a:p>
-            <a:r>
-              <a:rPr lang="cs-CZ" dirty="0" smtClean="0"/>
-              <a:t>GitHub</a:t>
-            </a:r>
-          </a:p>
-          <a:p>
-            <a:r>
-              <a:rPr lang="cs-CZ" dirty="0" smtClean="0"/>
-              <a:t>Netbeans</a:t>
-            </a:r>
-          </a:p>
-          <a:p>
-            <a:r>
-              <a:rPr lang="cs-CZ" dirty="0" smtClean="0"/>
-              <a:t>Junit</a:t>
-            </a:r>
-          </a:p>
-          <a:p>
-            <a:r>
-              <a:rPr lang="cs-CZ" dirty="0" smtClean="0"/>
-              <a:t>Window snipping tool</a:t>
-            </a:r>
-          </a:p>
-          <a:p>
-            <a:r>
-              <a:rPr lang="cs-CZ" dirty="0" smtClean="0"/>
-              <a:t>UML class diagram</a:t>
-            </a:r>
-          </a:p>
-          <a:p>
-            <a:endParaRPr lang="en-US" dirty="0"/>
-          </a:p>
-        </p:txBody>
-      </p:sp>
+      </p:pic>
       <p:sp>
         <p:nvSpPr>
           <p:cNvPr id="5" name="Zástupný symbol pro zápatí 3"/>
@@ -7220,13 +7207,20 @@
     </p:spTree>
     <p:extLst>
       <p:ext uri="{BB962C8B-B14F-4D97-AF65-F5344CB8AC3E}">
-        <p14:creationId xmlns:p14="http://schemas.microsoft.com/office/powerpoint/2010/main" val="2138730216"/>
+        <p14:creationId xmlns:p14="http://schemas.microsoft.com/office/powerpoint/2010/main" val="3523782869"/>
       </p:ext>
     </p:extLst>
   </p:cSld>
   <p:clrMapOvr>
     <a:masterClrMapping/>
   </p:clrMapOvr>
+  <p:timing>
+    <p:tnLst>
+      <p:par>
+        <p:cTn id="1" dur="indefinite" restart="never" nodeType="tmRoot"/>
+      </p:par>
+    </p:tnLst>
+  </p:timing>
 </p:sld>
 </file>
 
@@ -7264,6 +7258,281 @@
           <a:p>
             <a:r>
               <a:rPr lang="cs-CZ" dirty="0" smtClean="0"/>
+              <a:t>Použíté technologie a nástroje</a:t>
+            </a:r>
+            <a:endParaRPr lang="en-US" dirty="0"/>
+          </a:p>
+        </p:txBody>
+      </p:sp>
+      <p:sp>
+        <p:nvSpPr>
+          <p:cNvPr id="5" name="Zástupný symbol pro zápatí 3"/>
+          <p:cNvSpPr>
+            <a:spLocks noGrp="1"/>
+          </p:cNvSpPr>
+          <p:nvPr>
+            <p:ph type="ftr" sz="quarter" idx="11"/>
+          </p:nvPr>
+        </p:nvSpPr>
+        <p:spPr>
+          <a:xfrm>
+            <a:off x="2742701" y="6237312"/>
+            <a:ext cx="4183529" cy="365125"/>
+          </a:xfrm>
+        </p:spPr>
+        <p:txBody>
+          <a:bodyPr/>
+          <a:lstStyle/>
+          <a:p>
+            <a:r>
+              <a:rPr lang="cs-CZ" sz="1200" dirty="0" smtClean="0"/>
+              <a:t>Patrik</a:t>
+            </a:r>
+            <a:r>
+              <a:rPr lang="en-US" sz="1200" dirty="0" smtClean="0"/>
+              <a:t> </a:t>
+            </a:r>
+            <a:r>
+              <a:rPr lang="cs-CZ" sz="1200" dirty="0" smtClean="0"/>
+              <a:t>Novák, Markéta Umlaufová, Martin Golomb, Jan Křenek</a:t>
+            </a:r>
+          </a:p>
+        </p:txBody>
+      </p:sp>
+      <p:pic>
+        <p:nvPicPr>
+          <p:cNvPr id="4" name="Picture 3"/>
+          <p:cNvPicPr>
+            <a:picLocks noChangeAspect="1"/>
+          </p:cNvPicPr>
+          <p:nvPr/>
+        </p:nvPicPr>
+        <p:blipFill>
+          <a:blip r:embed="rId2">
+            <a:extLst>
+              <a:ext uri="{28A0092B-C50C-407E-A947-70E740481C1C}">
+                <a14:useLocalDpi xmlns:a14="http://schemas.microsoft.com/office/drawing/2010/main" val="0"/>
+              </a:ext>
+            </a:extLst>
+          </a:blip>
+          <a:stretch>
+            <a:fillRect/>
+          </a:stretch>
+        </p:blipFill>
+        <p:spPr>
+          <a:xfrm>
+            <a:off x="1352421" y="2424013"/>
+            <a:ext cx="1257300" cy="1257300"/>
+          </a:xfrm>
+          <a:prstGeom prst="rect">
+            <a:avLst/>
+          </a:prstGeom>
+        </p:spPr>
+      </p:pic>
+      <p:pic>
+        <p:nvPicPr>
+          <p:cNvPr id="6" name="Picture 5"/>
+          <p:cNvPicPr>
+            <a:picLocks noChangeAspect="1"/>
+          </p:cNvPicPr>
+          <p:nvPr/>
+        </p:nvPicPr>
+        <p:blipFill>
+          <a:blip r:embed="rId3">
+            <a:extLst>
+              <a:ext uri="{28A0092B-C50C-407E-A947-70E740481C1C}">
+                <a14:useLocalDpi xmlns:a14="http://schemas.microsoft.com/office/drawing/2010/main" val="0"/>
+              </a:ext>
+            </a:extLst>
+          </a:blip>
+          <a:stretch>
+            <a:fillRect/>
+          </a:stretch>
+        </p:blipFill>
+        <p:spPr>
+          <a:xfrm>
+            <a:off x="3217771" y="2089861"/>
+            <a:ext cx="2121396" cy="1241017"/>
+          </a:xfrm>
+          <a:prstGeom prst="rect">
+            <a:avLst/>
+          </a:prstGeom>
+        </p:spPr>
+      </p:pic>
+      <p:pic>
+        <p:nvPicPr>
+          <p:cNvPr id="11" name="Picture 10"/>
+          <p:cNvPicPr>
+            <a:picLocks noChangeAspect="1"/>
+          </p:cNvPicPr>
+          <p:nvPr/>
+        </p:nvPicPr>
+        <p:blipFill>
+          <a:blip r:embed="rId4" cstate="print">
+            <a:extLst>
+              <a:ext uri="{28A0092B-C50C-407E-A947-70E740481C1C}">
+                <a14:useLocalDpi xmlns:a14="http://schemas.microsoft.com/office/drawing/2010/main" val="0"/>
+              </a:ext>
+            </a:extLst>
+          </a:blip>
+          <a:stretch>
+            <a:fillRect/>
+          </a:stretch>
+        </p:blipFill>
+        <p:spPr>
+          <a:xfrm>
+            <a:off x="6096736" y="2106784"/>
+            <a:ext cx="1478069" cy="1539057"/>
+          </a:xfrm>
+          <a:prstGeom prst="rect">
+            <a:avLst/>
+          </a:prstGeom>
+        </p:spPr>
+      </p:pic>
+      <p:pic>
+        <p:nvPicPr>
+          <p:cNvPr id="12" name="Picture 11"/>
+          <p:cNvPicPr>
+            <a:picLocks noChangeAspect="1"/>
+          </p:cNvPicPr>
+          <p:nvPr/>
+        </p:nvPicPr>
+        <p:blipFill>
+          <a:blip r:embed="rId5" cstate="print">
+            <a:extLst>
+              <a:ext uri="{28A0092B-C50C-407E-A947-70E740481C1C}">
+                <a14:useLocalDpi xmlns:a14="http://schemas.microsoft.com/office/drawing/2010/main" val="0"/>
+              </a:ext>
+            </a:extLst>
+          </a:blip>
+          <a:stretch>
+            <a:fillRect/>
+          </a:stretch>
+        </p:blipFill>
+        <p:spPr>
+          <a:xfrm>
+            <a:off x="4285163" y="3853868"/>
+            <a:ext cx="2132684" cy="2132684"/>
+          </a:xfrm>
+          <a:prstGeom prst="rect">
+            <a:avLst/>
+          </a:prstGeom>
+        </p:spPr>
+      </p:pic>
+      <p:pic>
+        <p:nvPicPr>
+          <p:cNvPr id="13" name="Picture 12"/>
+          <p:cNvPicPr>
+            <a:picLocks noChangeAspect="1"/>
+          </p:cNvPicPr>
+          <p:nvPr/>
+        </p:nvPicPr>
+        <p:blipFill>
+          <a:blip r:embed="rId6">
+            <a:extLst>
+              <a:ext uri="{28A0092B-C50C-407E-A947-70E740481C1C}">
+                <a14:useLocalDpi xmlns:a14="http://schemas.microsoft.com/office/drawing/2010/main" val="0"/>
+              </a:ext>
+            </a:extLst>
+          </a:blip>
+          <a:stretch>
+            <a:fillRect/>
+          </a:stretch>
+        </p:blipFill>
+        <p:spPr>
+          <a:xfrm>
+            <a:off x="982133" y="4139840"/>
+            <a:ext cx="2730182" cy="1189146"/>
+          </a:xfrm>
+          <a:prstGeom prst="rect">
+            <a:avLst/>
+          </a:prstGeom>
+        </p:spPr>
+      </p:pic>
+      <p:pic>
+        <p:nvPicPr>
+          <p:cNvPr id="14" name="Picture 13"/>
+          <p:cNvPicPr>
+            <a:picLocks noChangeAspect="1"/>
+          </p:cNvPicPr>
+          <p:nvPr/>
+        </p:nvPicPr>
+        <p:blipFill>
+          <a:blip r:embed="rId7">
+            <a:extLst>
+              <a:ext uri="{28A0092B-C50C-407E-A947-70E740481C1C}">
+                <a14:useLocalDpi xmlns:a14="http://schemas.microsoft.com/office/drawing/2010/main" val="0"/>
+              </a:ext>
+            </a:extLst>
+          </a:blip>
+          <a:stretch>
+            <a:fillRect/>
+          </a:stretch>
+        </p:blipFill>
+        <p:spPr>
+          <a:xfrm>
+            <a:off x="6898577" y="3992449"/>
+            <a:ext cx="1905000" cy="1790700"/>
+          </a:xfrm>
+          <a:prstGeom prst="rect">
+            <a:avLst/>
+          </a:prstGeom>
+        </p:spPr>
+      </p:pic>
+    </p:spTree>
+    <p:extLst>
+      <p:ext uri="{BB962C8B-B14F-4D97-AF65-F5344CB8AC3E}">
+        <p14:creationId xmlns:p14="http://schemas.microsoft.com/office/powerpoint/2010/main" val="2138730216"/>
+      </p:ext>
+    </p:extLst>
+  </p:cSld>
+  <p:clrMapOvr>
+    <a:masterClrMapping/>
+  </p:clrMapOvr>
+  <p:timing>
+    <p:tnLst>
+      <p:par>
+        <p:cTn id="1" dur="indefinite" restart="never" nodeType="tmRoot"/>
+      </p:par>
+    </p:tnLst>
+  </p:timing>
+</p:sld>
+</file>
+
+<file path=ppt/slides/slide13.xml><?xml version="1.0" encoding="utf-8"?>
+<p:sld xmlns:a="http://schemas.openxmlformats.org/drawingml/2006/main" xmlns:r="http://schemas.openxmlformats.org/officeDocument/2006/relationships" xmlns:p="http://schemas.openxmlformats.org/presentationml/2006/main">
+  <p:cSld>
+    <p:spTree>
+      <p:nvGrpSpPr>
+        <p:cNvPr id="1" name=""/>
+        <p:cNvGrpSpPr/>
+        <p:nvPr/>
+      </p:nvGrpSpPr>
+      <p:grpSpPr>
+        <a:xfrm>
+          <a:off x="0" y="0"/>
+          <a:ext cx="0" cy="0"/>
+          <a:chOff x="0" y="0"/>
+          <a:chExt cx="0" cy="0"/>
+        </a:xfrm>
+      </p:grpSpPr>
+      <p:sp>
+        <p:nvSpPr>
+          <p:cNvPr id="2" name="Title 1"/>
+          <p:cNvSpPr>
+            <a:spLocks noGrp="1"/>
+          </p:cNvSpPr>
+          <p:nvPr>
+            <p:ph type="title"/>
+          </p:nvPr>
+        </p:nvSpPr>
+        <p:spPr/>
+        <p:txBody>
+          <a:bodyPr/>
+          <a:lstStyle/>
+          <a:p>
+            <a:r>
+              <a:rPr lang="cs-CZ" dirty="0" smtClean="0"/>
               <a:t>Poděkování</a:t>
             </a:r>
             <a:endParaRPr lang="en-US" dirty="0"/>
@@ -7363,6 +7632,13 @@
   <p:clrMapOvr>
     <a:masterClrMapping/>
   </p:clrMapOvr>
+  <p:timing>
+    <p:tnLst>
+      <p:par>
+        <p:cTn id="1" dur="indefinite" restart="never" nodeType="tmRoot"/>
+      </p:par>
+    </p:tnLst>
+  </p:timing>
 </p:sld>
 </file>
 
@@ -7615,40 +7891,19 @@
           <a:p>
             <a:r>
               <a:rPr lang="cs-CZ" dirty="0" smtClean="0"/>
-              <a:t>Vygenerovat XML schema </a:t>
-            </a:r>
+              <a:t>Vygenerovat XML schema ekvivalentní existujícímu DTD (ať už internimu nebo externímu)</a:t>
+            </a:r>
+          </a:p>
+          <a:p>
             <a:r>
               <a:rPr lang="cs-CZ" dirty="0" smtClean="0"/>
-              <a:t>ekvivalentní </a:t>
-            </a:r>
+              <a:t>Pro rešení použít výhradně JDK</a:t>
+            </a:r>
+          </a:p>
+          <a:p>
             <a:r>
               <a:rPr lang="cs-CZ" dirty="0" smtClean="0"/>
-              <a:t>existujícímu </a:t>
-            </a:r>
-            <a:r>
-              <a:rPr lang="cs-CZ" dirty="0" smtClean="0"/>
-              <a:t>DTD (ať už internimu nebo externímu)</a:t>
-            </a:r>
-            <a:endParaRPr lang="cs-CZ" dirty="0" smtClean="0"/>
-          </a:p>
-          <a:p>
-            <a:r>
-              <a:rPr lang="cs-CZ" dirty="0" smtClean="0"/>
-              <a:t>Pro </a:t>
-            </a:r>
-            <a:r>
-              <a:rPr lang="cs-CZ" dirty="0" smtClean="0"/>
-              <a:t>rešení použít výhradně JDK</a:t>
-            </a:r>
-          </a:p>
-          <a:p>
-            <a:r>
-              <a:rPr lang="cs-CZ" dirty="0" smtClean="0"/>
-              <a:t>Můžeme předpokládat, že vstupní DTD je vždy validní a </a:t>
-            </a:r>
-            <a:r>
-              <a:rPr lang="cs-CZ" dirty="0" smtClean="0"/>
-              <a:t>spravné</a:t>
+              <a:t>Můžeme předpokládat, že vstupní DTD je vždy validní a spravné</a:t>
             </a:r>
           </a:p>
           <a:p>
@@ -7725,6 +7980,13 @@
   <p:clrMapOvr>
     <a:masterClrMapping/>
   </p:clrMapOvr>
+  <p:timing>
+    <p:tnLst>
+      <p:par>
+        <p:cTn id="1" dur="indefinite" restart="never" nodeType="tmRoot"/>
+      </p:par>
+    </p:tnLst>
+  </p:timing>
 </p:sld>
 </file>
 
@@ -7884,6 +8146,13 @@
   <p:clrMapOvr>
     <a:masterClrMapping/>
   </p:clrMapOvr>
+  <p:timing>
+    <p:tnLst>
+      <p:par>
+        <p:cTn id="1" dur="indefinite" restart="never" nodeType="tmRoot"/>
+      </p:par>
+    </p:tnLst>
+  </p:timing>
 </p:sld>
 </file>
 
@@ -8052,6 +8321,13 @@
   <p:clrMapOvr>
     <a:masterClrMapping/>
   </p:clrMapOvr>
+  <p:timing>
+    <p:tnLst>
+      <p:par>
+        <p:cTn id="1" dur="indefinite" restart="never" nodeType="tmRoot"/>
+      </p:par>
+    </p:tnLst>
+  </p:timing>
 </p:sld>
 </file>
 
@@ -8097,25 +8373,6 @@
       </p:sp>
       <p:sp>
         <p:nvSpPr>
-          <p:cNvPr id="3" name="Content Placeholder 2"/>
-          <p:cNvSpPr>
-            <a:spLocks noGrp="1"/>
-          </p:cNvSpPr>
-          <p:nvPr>
-            <p:ph idx="1"/>
-          </p:nvPr>
-        </p:nvSpPr>
-        <p:spPr/>
-        <p:txBody>
-          <a:bodyPr/>
-          <a:lstStyle/>
-          <a:p>
-            <a:endParaRPr lang="en-US" dirty="0"/>
-          </a:p>
-        </p:txBody>
-      </p:sp>
-      <p:sp>
-        <p:nvSpPr>
           <p:cNvPr id="5" name="Zástupný symbol pro zápatí 3"/>
           <p:cNvSpPr>
             <a:spLocks noGrp="1"/>
@@ -8149,6 +8406,36 @@
           </a:p>
         </p:txBody>
       </p:sp>
+      <p:pic>
+        <p:nvPicPr>
+          <p:cNvPr id="4" name="Picture 3"/>
+          <p:cNvPicPr>
+            <a:picLocks noChangeAspect="1"/>
+          </p:cNvPicPr>
+          <p:nvPr/>
+        </p:nvPicPr>
+        <p:blipFill>
+          <a:blip r:embed="rId2">
+            <a:extLst>
+              <a:ext uri="{28A0092B-C50C-407E-A947-70E740481C1C}">
+                <a14:useLocalDpi xmlns:a14="http://schemas.microsoft.com/office/drawing/2010/main" val="0"/>
+              </a:ext>
+            </a:extLst>
+          </a:blip>
+          <a:stretch>
+            <a:fillRect/>
+          </a:stretch>
+        </p:blipFill>
+        <p:spPr>
+          <a:xfrm>
+            <a:off x="1979712" y="2060848"/>
+            <a:ext cx="5315978" cy="3965390"/>
+          </a:xfrm>
+          <a:prstGeom prst="rect">
+            <a:avLst/>
+          </a:prstGeom>
+        </p:spPr>
+      </p:pic>
     </p:spTree>
     <p:extLst>
       <p:ext uri="{BB962C8B-B14F-4D97-AF65-F5344CB8AC3E}">
@@ -8159,6 +8446,13 @@
   <p:clrMapOvr>
     <a:masterClrMapping/>
   </p:clrMapOvr>
+  <p:timing>
+    <p:tnLst>
+      <p:par>
+        <p:cTn id="1" dur="indefinite" restart="never" nodeType="tmRoot"/>
+      </p:par>
+    </p:tnLst>
+  </p:timing>
 </p:sld>
 </file>
 
@@ -8202,25 +8496,35 @@
           </a:p>
         </p:txBody>
       </p:sp>
-      <p:sp>
-        <p:nvSpPr>
-          <p:cNvPr id="3" name="Content Placeholder 2"/>
-          <p:cNvSpPr>
-            <a:spLocks noGrp="1"/>
-          </p:cNvSpPr>
+      <p:pic>
+        <p:nvPicPr>
+          <p:cNvPr id="4" name="Content Placeholder 3"/>
+          <p:cNvPicPr>
+            <a:picLocks noGrp="1" noChangeAspect="1"/>
+          </p:cNvPicPr>
           <p:nvPr>
             <p:ph idx="1"/>
           </p:nvPr>
-        </p:nvSpPr>
-        <p:spPr/>
-        <p:txBody>
-          <a:bodyPr/>
-          <a:lstStyle/>
-          <a:p>
-            <a:endParaRPr lang="en-US"/>
-          </a:p>
-        </p:txBody>
-      </p:sp>
+        </p:nvPicPr>
+        <p:blipFill>
+          <a:blip r:embed="rId2">
+            <a:extLst>
+              <a:ext uri="{28A0092B-C50C-407E-A947-70E740481C1C}">
+                <a14:useLocalDpi xmlns:a14="http://schemas.microsoft.com/office/drawing/2010/main" val="0"/>
+              </a:ext>
+            </a:extLst>
+          </a:blip>
+          <a:stretch>
+            <a:fillRect/>
+          </a:stretch>
+        </p:blipFill>
+        <p:spPr>
+          <a:xfrm>
+            <a:off x="1816657" y="2407299"/>
+            <a:ext cx="6035616" cy="3332163"/>
+          </a:xfrm>
+        </p:spPr>
+      </p:pic>
       <p:sp>
         <p:nvSpPr>
           <p:cNvPr id="5" name="Zástupný symbol pro zápatí 3"/>
@@ -8266,6 +8570,13 @@
   <p:clrMapOvr>
     <a:masterClrMapping/>
   </p:clrMapOvr>
+  <p:timing>
+    <p:tnLst>
+      <p:par>
+        <p:cTn id="1" dur="indefinite" restart="never" nodeType="tmRoot"/>
+      </p:par>
+    </p:tnLst>
+  </p:timing>
 </p:sld>
 </file>
 
@@ -8309,25 +8620,35 @@
           </a:p>
         </p:txBody>
       </p:sp>
-      <p:sp>
-        <p:nvSpPr>
-          <p:cNvPr id="3" name="Content Placeholder 2"/>
-          <p:cNvSpPr>
-            <a:spLocks noGrp="1"/>
-          </p:cNvSpPr>
+      <p:pic>
+        <p:nvPicPr>
+          <p:cNvPr id="4" name="Content Placeholder 3"/>
+          <p:cNvPicPr>
+            <a:picLocks noGrp="1" noChangeAspect="1"/>
+          </p:cNvPicPr>
           <p:nvPr>
             <p:ph idx="1"/>
           </p:nvPr>
-        </p:nvSpPr>
-        <p:spPr/>
-        <p:txBody>
-          <a:bodyPr/>
-          <a:lstStyle/>
-          <a:p>
-            <a:endParaRPr lang="en-US"/>
-          </a:p>
-        </p:txBody>
-      </p:sp>
+        </p:nvPicPr>
+        <p:blipFill>
+          <a:blip r:embed="rId2">
+            <a:extLst>
+              <a:ext uri="{28A0092B-C50C-407E-A947-70E740481C1C}">
+                <a14:useLocalDpi xmlns:a14="http://schemas.microsoft.com/office/drawing/2010/main" val="0"/>
+              </a:ext>
+            </a:extLst>
+          </a:blip>
+          <a:stretch>
+            <a:fillRect/>
+          </a:stretch>
+        </p:blipFill>
+        <p:spPr>
+          <a:xfrm>
+            <a:off x="2765829" y="1988840"/>
+            <a:ext cx="4145864" cy="3744416"/>
+          </a:xfrm>
+        </p:spPr>
+      </p:pic>
       <p:sp>
         <p:nvSpPr>
           <p:cNvPr id="5" name="Zástupný symbol pro zápatí 3"/>
@@ -8373,6 +8694,13 @@
   <p:clrMapOvr>
     <a:masterClrMapping/>
   </p:clrMapOvr>
+  <p:timing>
+    <p:tnLst>
+      <p:par>
+        <p:cTn id="1" dur="indefinite" restart="never" nodeType="tmRoot"/>
+      </p:par>
+    </p:tnLst>
+  </p:timing>
 </p:sld>
 </file>
 
@@ -8416,25 +8744,35 @@
           </a:p>
         </p:txBody>
       </p:sp>
-      <p:sp>
-        <p:nvSpPr>
-          <p:cNvPr id="3" name="Content Placeholder 2"/>
-          <p:cNvSpPr>
-            <a:spLocks noGrp="1"/>
-          </p:cNvSpPr>
+      <p:pic>
+        <p:nvPicPr>
+          <p:cNvPr id="4" name="Content Placeholder 3"/>
+          <p:cNvPicPr>
+            <a:picLocks noGrp="1" noChangeAspect="1"/>
+          </p:cNvPicPr>
           <p:nvPr>
             <p:ph idx="1"/>
           </p:nvPr>
-        </p:nvSpPr>
-        <p:spPr/>
-        <p:txBody>
-          <a:bodyPr/>
-          <a:lstStyle/>
-          <a:p>
-            <a:endParaRPr lang="en-US"/>
-          </a:p>
-        </p:txBody>
-      </p:sp>
+        </p:nvPicPr>
+        <p:blipFill>
+          <a:blip r:embed="rId2">
+            <a:extLst>
+              <a:ext uri="{28A0092B-C50C-407E-A947-70E740481C1C}">
+                <a14:useLocalDpi xmlns:a14="http://schemas.microsoft.com/office/drawing/2010/main" val="0"/>
+              </a:ext>
+            </a:extLst>
+          </a:blip>
+          <a:stretch>
+            <a:fillRect/>
+          </a:stretch>
+        </p:blipFill>
+        <p:spPr>
+          <a:xfrm>
+            <a:off x="1979712" y="2276872"/>
+            <a:ext cx="5184576" cy="3338015"/>
+          </a:xfrm>
+        </p:spPr>
+      </p:pic>
       <p:sp>
         <p:nvSpPr>
           <p:cNvPr id="5" name="Zástupný symbol pro zápatí 3"/>
@@ -8480,6 +8818,13 @@
   <p:clrMapOvr>
     <a:masterClrMapping/>
   </p:clrMapOvr>
+  <p:timing>
+    <p:tnLst>
+      <p:par>
+        <p:cTn id="1" dur="indefinite" restart="never" nodeType="tmRoot"/>
+      </p:par>
+    </p:tnLst>
+  </p:timing>
 </p:sld>
 </file>
 
@@ -8733,7 +9078,7 @@
   <a:extraClrSchemeLst/>
   <a:extLst>
     <a:ext uri="{05A4C25C-085E-4340-85A3-A5531E510DB2}">
-      <thm15:themeFamily xmlns:thm15="http://schemas.microsoft.com/office/thememl/2012/main" xmlns="" name="Parallax" id="{3388167B-A2EB-4685-9635-1831D9AEF8C4}" vid="{4F7A876A-7598-49CA-AFC8-8EDA2551E4A7}"/>
+      <thm15:themeFamily xmlns:thm15="http://schemas.microsoft.com/office/thememl/2012/main" name="Parallax" id="{3388167B-A2EB-4685-9635-1831D9AEF8C4}" vid="{4F7A876A-7598-49CA-AFC8-8EDA2551E4A7}"/>
     </a:ext>
   </a:extLst>
 </a:theme>
